--- a/doc/流程框架.pptx
+++ b/doc/流程框架.pptx
@@ -282,7 +282,7 @@
           <a:p>
             <a:fld id="{1B7BBEA4-24BC-4F9A-BA49-26A596A24E96}" type="datetimeFigureOut">
               <a:rPr lang="zh-CN" altLang="en-US" smtClean="0"/>
-              <a:t>2021/3/21</a:t>
+              <a:t>2021/3/22</a:t>
             </a:fld>
             <a:endParaRPr lang="zh-CN" altLang="en-US"/>
           </a:p>
@@ -480,7 +480,7 @@
           <a:p>
             <a:fld id="{1B7BBEA4-24BC-4F9A-BA49-26A596A24E96}" type="datetimeFigureOut">
               <a:rPr lang="zh-CN" altLang="en-US" smtClean="0"/>
-              <a:t>2021/3/21</a:t>
+              <a:t>2021/3/22</a:t>
             </a:fld>
             <a:endParaRPr lang="zh-CN" altLang="en-US"/>
           </a:p>
@@ -688,7 +688,7 @@
           <a:p>
             <a:fld id="{1B7BBEA4-24BC-4F9A-BA49-26A596A24E96}" type="datetimeFigureOut">
               <a:rPr lang="zh-CN" altLang="en-US" smtClean="0"/>
-              <a:t>2021/3/21</a:t>
+              <a:t>2021/3/22</a:t>
             </a:fld>
             <a:endParaRPr lang="zh-CN" altLang="en-US"/>
           </a:p>
@@ -886,7 +886,7 @@
           <a:p>
             <a:fld id="{1B7BBEA4-24BC-4F9A-BA49-26A596A24E96}" type="datetimeFigureOut">
               <a:rPr lang="zh-CN" altLang="en-US" smtClean="0"/>
-              <a:t>2021/3/21</a:t>
+              <a:t>2021/3/22</a:t>
             </a:fld>
             <a:endParaRPr lang="zh-CN" altLang="en-US"/>
           </a:p>
@@ -1161,7 +1161,7 @@
           <a:p>
             <a:fld id="{1B7BBEA4-24BC-4F9A-BA49-26A596A24E96}" type="datetimeFigureOut">
               <a:rPr lang="zh-CN" altLang="en-US" smtClean="0"/>
-              <a:t>2021/3/21</a:t>
+              <a:t>2021/3/22</a:t>
             </a:fld>
             <a:endParaRPr lang="zh-CN" altLang="en-US"/>
           </a:p>
@@ -1426,7 +1426,7 @@
           <a:p>
             <a:fld id="{1B7BBEA4-24BC-4F9A-BA49-26A596A24E96}" type="datetimeFigureOut">
               <a:rPr lang="zh-CN" altLang="en-US" smtClean="0"/>
-              <a:t>2021/3/21</a:t>
+              <a:t>2021/3/22</a:t>
             </a:fld>
             <a:endParaRPr lang="zh-CN" altLang="en-US"/>
           </a:p>
@@ -1838,7 +1838,7 @@
           <a:p>
             <a:fld id="{1B7BBEA4-24BC-4F9A-BA49-26A596A24E96}" type="datetimeFigureOut">
               <a:rPr lang="zh-CN" altLang="en-US" smtClean="0"/>
-              <a:t>2021/3/21</a:t>
+              <a:t>2021/3/22</a:t>
             </a:fld>
             <a:endParaRPr lang="zh-CN" altLang="en-US"/>
           </a:p>
@@ -1979,7 +1979,7 @@
           <a:p>
             <a:fld id="{1B7BBEA4-24BC-4F9A-BA49-26A596A24E96}" type="datetimeFigureOut">
               <a:rPr lang="zh-CN" altLang="en-US" smtClean="0"/>
-              <a:t>2021/3/21</a:t>
+              <a:t>2021/3/22</a:t>
             </a:fld>
             <a:endParaRPr lang="zh-CN" altLang="en-US"/>
           </a:p>
@@ -2092,7 +2092,7 @@
           <a:p>
             <a:fld id="{1B7BBEA4-24BC-4F9A-BA49-26A596A24E96}" type="datetimeFigureOut">
               <a:rPr lang="zh-CN" altLang="en-US" smtClean="0"/>
-              <a:t>2021/3/21</a:t>
+              <a:t>2021/3/22</a:t>
             </a:fld>
             <a:endParaRPr lang="zh-CN" altLang="en-US"/>
           </a:p>
@@ -2403,7 +2403,7 @@
           <a:p>
             <a:fld id="{1B7BBEA4-24BC-4F9A-BA49-26A596A24E96}" type="datetimeFigureOut">
               <a:rPr lang="zh-CN" altLang="en-US" smtClean="0"/>
-              <a:t>2021/3/21</a:t>
+              <a:t>2021/3/22</a:t>
             </a:fld>
             <a:endParaRPr lang="zh-CN" altLang="en-US"/>
           </a:p>
@@ -2691,7 +2691,7 @@
           <a:p>
             <a:fld id="{1B7BBEA4-24BC-4F9A-BA49-26A596A24E96}" type="datetimeFigureOut">
               <a:rPr lang="zh-CN" altLang="en-US" smtClean="0"/>
-              <a:t>2021/3/21</a:t>
+              <a:t>2021/3/22</a:t>
             </a:fld>
             <a:endParaRPr lang="zh-CN" altLang="en-US"/>
           </a:p>
@@ -2932,7 +2932,7 @@
           <a:p>
             <a:fld id="{1B7BBEA4-24BC-4F9A-BA49-26A596A24E96}" type="datetimeFigureOut">
               <a:rPr lang="zh-CN" altLang="en-US" smtClean="0"/>
-              <a:t>2021/3/21</a:t>
+              <a:t>2021/3/22</a:t>
             </a:fld>
             <a:endParaRPr lang="zh-CN" altLang="en-US"/>
           </a:p>
@@ -9995,7 +9995,7 @@
                   </a:rPr>
                   <a:t>申请</a:t>
                 </a:r>
-                <a:endParaRPr lang="en-US" altLang="zh-CN" sz="1600" b="1" dirty="0">
+                <a:endParaRPr lang="en-US" altLang="zh-CN" sz="1600" b="1">
                   <a:solidFill>
                     <a:schemeClr val="tx1"/>
                   </a:solidFill>
@@ -10006,7 +10006,7 @@
               <a:p>
                 <a:pPr algn="ctr"/>
                 <a:r>
-                  <a:rPr lang="en-US" altLang="zh-CN" sz="1600" b="1" dirty="0" err="1">
+                  <a:rPr lang="en-US" altLang="zh-CN" sz="1600" b="1" err="1">
                     <a:solidFill>
                       <a:schemeClr val="tx1"/>
                     </a:solidFill>
@@ -11273,6 +11273,1144 @@
           </a:p>
         </p:txBody>
       </p:sp>
+      <p:grpSp>
+        <p:nvGrpSpPr>
+          <p:cNvPr id="2" name="组合 1">
+            <a:extLst>
+              <a:ext uri="{FF2B5EF4-FFF2-40B4-BE49-F238E27FC236}">
+                <a16:creationId xmlns:a16="http://schemas.microsoft.com/office/drawing/2014/main" id="{DF3A5C88-F0CD-46F0-B20C-E61FF08FDED3}"/>
+              </a:ext>
+            </a:extLst>
+          </p:cNvPr>
+          <p:cNvGrpSpPr/>
+          <p:nvPr/>
+        </p:nvGrpSpPr>
+        <p:grpSpPr>
+          <a:xfrm>
+            <a:off x="379396" y="3408451"/>
+            <a:ext cx="2219512" cy="3240000"/>
+            <a:chOff x="379396" y="3408451"/>
+            <a:chExt cx="2219512" cy="3240000"/>
+          </a:xfrm>
+        </p:grpSpPr>
+        <p:sp>
+          <p:nvSpPr>
+            <p:cNvPr id="37" name="矩形: 圆角 36">
+              <a:extLst>
+                <a:ext uri="{FF2B5EF4-FFF2-40B4-BE49-F238E27FC236}">
+                  <a16:creationId xmlns:a16="http://schemas.microsoft.com/office/drawing/2014/main" id="{D3EED13E-FA49-4E96-AAA3-8B4308539325}"/>
+                </a:ext>
+              </a:extLst>
+            </p:cNvPr>
+            <p:cNvSpPr/>
+            <p:nvPr/>
+          </p:nvSpPr>
+          <p:spPr>
+            <a:xfrm>
+              <a:off x="379396" y="3408451"/>
+              <a:ext cx="2219512" cy="3240000"/>
+            </a:xfrm>
+            <a:prstGeom prst="roundRect">
+              <a:avLst>
+                <a:gd name="adj" fmla="val 5494"/>
+              </a:avLst>
+            </a:prstGeom>
+            <a:noFill/>
+            <a:ln>
+              <a:solidFill>
+                <a:schemeClr val="tx2"/>
+              </a:solidFill>
+              <a:prstDash val="dash"/>
+            </a:ln>
+          </p:spPr>
+          <p:style>
+            <a:lnRef idx="2">
+              <a:schemeClr val="accent1">
+                <a:shade val="50000"/>
+              </a:schemeClr>
+            </a:lnRef>
+            <a:fillRef idx="1">
+              <a:schemeClr val="accent1"/>
+            </a:fillRef>
+            <a:effectRef idx="0">
+              <a:schemeClr val="accent1"/>
+            </a:effectRef>
+            <a:fontRef idx="minor">
+              <a:schemeClr val="lt1"/>
+            </a:fontRef>
+          </p:style>
+          <p:txBody>
+            <a:bodyPr rtlCol="0" anchor="ctr"/>
+            <a:lstStyle/>
+            <a:p>
+              <a:pPr algn="ctr"/>
+              <a:endParaRPr lang="zh-CN" altLang="en-US" sz="1600">
+                <a:latin typeface="微软雅黑" panose="020B0503020204020204" pitchFamily="34" charset="-122"/>
+                <a:ea typeface="微软雅黑" panose="020B0503020204020204" pitchFamily="34" charset="-122"/>
+              </a:endParaRPr>
+            </a:p>
+          </p:txBody>
+        </p:sp>
+        <p:sp>
+          <p:nvSpPr>
+            <p:cNvPr id="39" name="矩形: 圆角 38">
+              <a:extLst>
+                <a:ext uri="{FF2B5EF4-FFF2-40B4-BE49-F238E27FC236}">
+                  <a16:creationId xmlns:a16="http://schemas.microsoft.com/office/drawing/2014/main" id="{AE10B91E-1793-4BAB-BADD-87CC94F1573F}"/>
+                </a:ext>
+              </a:extLst>
+            </p:cNvPr>
+            <p:cNvSpPr/>
+            <p:nvPr/>
+          </p:nvSpPr>
+          <p:spPr>
+            <a:xfrm>
+              <a:off x="877152" y="3566371"/>
+              <a:ext cx="1224000" cy="540000"/>
+            </a:xfrm>
+            <a:prstGeom prst="roundRect">
+              <a:avLst/>
+            </a:prstGeom>
+            <a:solidFill>
+              <a:srgbClr val="00B0F0"/>
+            </a:solidFill>
+            <a:ln>
+              <a:solidFill>
+                <a:schemeClr val="tx1"/>
+              </a:solidFill>
+            </a:ln>
+          </p:spPr>
+          <p:style>
+            <a:lnRef idx="2">
+              <a:schemeClr val="accent1">
+                <a:shade val="50000"/>
+              </a:schemeClr>
+            </a:lnRef>
+            <a:fillRef idx="1">
+              <a:schemeClr val="accent1"/>
+            </a:fillRef>
+            <a:effectRef idx="0">
+              <a:schemeClr val="accent1"/>
+            </a:effectRef>
+            <a:fontRef idx="minor">
+              <a:schemeClr val="lt1"/>
+            </a:fontRef>
+          </p:style>
+          <p:txBody>
+            <a:bodyPr wrap="none" lIns="36000" tIns="36000" rIns="36000" bIns="36000" rtlCol="0" anchor="ctr" anchorCtr="0"/>
+            <a:lstStyle/>
+            <a:p>
+              <a:pPr algn="ctr"/>
+              <a:r>
+                <a:rPr lang="zh-CN" altLang="en-US" sz="1600" b="1">
+                  <a:solidFill>
+                    <a:schemeClr val="tx1"/>
+                  </a:solidFill>
+                  <a:latin typeface="微软雅黑" panose="020B0503020204020204" pitchFamily="34" charset="-122"/>
+                  <a:ea typeface="微软雅黑" panose="020B0503020204020204" pitchFamily="34" charset="-122"/>
+                </a:rPr>
+                <a:t>基金会成员</a:t>
+              </a:r>
+            </a:p>
+          </p:txBody>
+        </p:sp>
+        <p:sp>
+          <p:nvSpPr>
+            <p:cNvPr id="40" name="矩形: 圆角 39">
+              <a:extLst>
+                <a:ext uri="{FF2B5EF4-FFF2-40B4-BE49-F238E27FC236}">
+                  <a16:creationId xmlns:a16="http://schemas.microsoft.com/office/drawing/2014/main" id="{634E2789-0023-4344-BACD-488771F99C01}"/>
+                </a:ext>
+              </a:extLst>
+            </p:cNvPr>
+            <p:cNvSpPr/>
+            <p:nvPr/>
+          </p:nvSpPr>
+          <p:spPr>
+            <a:xfrm>
+              <a:off x="535152" y="4253091"/>
+              <a:ext cx="1908000" cy="648000"/>
+            </a:xfrm>
+            <a:prstGeom prst="roundRect">
+              <a:avLst/>
+            </a:prstGeom>
+            <a:solidFill>
+              <a:srgbClr val="00B050"/>
+            </a:solidFill>
+            <a:ln>
+              <a:solidFill>
+                <a:schemeClr val="tx1"/>
+              </a:solidFill>
+            </a:ln>
+          </p:spPr>
+          <p:style>
+            <a:lnRef idx="2">
+              <a:schemeClr val="accent1">
+                <a:shade val="50000"/>
+              </a:schemeClr>
+            </a:lnRef>
+            <a:fillRef idx="1">
+              <a:schemeClr val="accent1"/>
+            </a:fillRef>
+            <a:effectRef idx="0">
+              <a:schemeClr val="accent1"/>
+            </a:effectRef>
+            <a:fontRef idx="minor">
+              <a:schemeClr val="lt1"/>
+            </a:fontRef>
+          </p:style>
+          <p:txBody>
+            <a:bodyPr wrap="none" lIns="36000" tIns="36000" rIns="36000" bIns="36000" rtlCol="0" anchor="ctr" anchorCtr="0"/>
+            <a:lstStyle/>
+            <a:p>
+              <a:pPr algn="ctr"/>
+              <a:r>
+                <a:rPr lang="zh-CN" altLang="en-US" sz="1600" b="1">
+                  <a:solidFill>
+                    <a:schemeClr val="tx1"/>
+                  </a:solidFill>
+                  <a:latin typeface="微软雅黑" panose="020B0503020204020204" pitchFamily="34" charset="-122"/>
+                  <a:ea typeface="微软雅黑" panose="020B0503020204020204" pitchFamily="34" charset="-122"/>
+                </a:rPr>
+                <a:t>发起提案</a:t>
+              </a:r>
+              <a:endParaRPr lang="en-US" altLang="zh-CN" sz="1600" b="1">
+                <a:solidFill>
+                  <a:schemeClr val="tx1"/>
+                </a:solidFill>
+                <a:latin typeface="微软雅黑" panose="020B0503020204020204" pitchFamily="34" charset="-122"/>
+                <a:ea typeface="微软雅黑" panose="020B0503020204020204" pitchFamily="34" charset="-122"/>
+              </a:endParaRPr>
+            </a:p>
+            <a:p>
+              <a:pPr algn="ctr"/>
+              <a:r>
+                <a:rPr lang="en-US" altLang="zh-CN" sz="1600" b="1">
+                  <a:solidFill>
+                    <a:schemeClr val="tx1"/>
+                  </a:solidFill>
+                  <a:latin typeface="微软雅黑" panose="020B0503020204020204" pitchFamily="34" charset="-122"/>
+                  <a:ea typeface="微软雅黑" panose="020B0503020204020204" pitchFamily="34" charset="-122"/>
+                </a:rPr>
+                <a:t>make_proposal</a:t>
+              </a:r>
+              <a:endParaRPr lang="zh-CN" altLang="en-US" sz="1600" b="1">
+                <a:solidFill>
+                  <a:schemeClr val="tx1"/>
+                </a:solidFill>
+                <a:latin typeface="微软雅黑" panose="020B0503020204020204" pitchFamily="34" charset="-122"/>
+                <a:ea typeface="微软雅黑" panose="020B0503020204020204" pitchFamily="34" charset="-122"/>
+              </a:endParaRPr>
+            </a:p>
+          </p:txBody>
+        </p:sp>
+        <p:sp>
+          <p:nvSpPr>
+            <p:cNvPr id="41" name="矩形: 圆角 40">
+              <a:extLst>
+                <a:ext uri="{FF2B5EF4-FFF2-40B4-BE49-F238E27FC236}">
+                  <a16:creationId xmlns:a16="http://schemas.microsoft.com/office/drawing/2014/main" id="{7E1B65F2-58BF-4659-B4DC-A33D322410E9}"/>
+                </a:ext>
+              </a:extLst>
+            </p:cNvPr>
+            <p:cNvSpPr/>
+            <p:nvPr/>
+          </p:nvSpPr>
+          <p:spPr>
+            <a:xfrm>
+              <a:off x="535152" y="5047811"/>
+              <a:ext cx="1908000" cy="648000"/>
+            </a:xfrm>
+            <a:prstGeom prst="roundRect">
+              <a:avLst/>
+            </a:prstGeom>
+            <a:solidFill>
+              <a:srgbClr val="00B050"/>
+            </a:solidFill>
+            <a:ln>
+              <a:solidFill>
+                <a:schemeClr val="tx1"/>
+              </a:solidFill>
+            </a:ln>
+          </p:spPr>
+          <p:style>
+            <a:lnRef idx="2">
+              <a:schemeClr val="accent1">
+                <a:shade val="50000"/>
+              </a:schemeClr>
+            </a:lnRef>
+            <a:fillRef idx="1">
+              <a:schemeClr val="accent1"/>
+            </a:fillRef>
+            <a:effectRef idx="0">
+              <a:schemeClr val="accent1"/>
+            </a:effectRef>
+            <a:fontRef idx="minor">
+              <a:schemeClr val="lt1"/>
+            </a:fontRef>
+          </p:style>
+          <p:txBody>
+            <a:bodyPr wrap="none" lIns="36000" tIns="36000" rIns="36000" bIns="36000" rtlCol="0" anchor="ctr" anchorCtr="0"/>
+            <a:lstStyle/>
+            <a:p>
+              <a:pPr algn="ctr"/>
+              <a:r>
+                <a:rPr lang="zh-CN" altLang="en-US" sz="1600" b="1">
+                  <a:solidFill>
+                    <a:schemeClr val="tx1"/>
+                  </a:solidFill>
+                  <a:latin typeface="微软雅黑" panose="020B0503020204020204" pitchFamily="34" charset="-122"/>
+                  <a:ea typeface="微软雅黑" panose="020B0503020204020204" pitchFamily="34" charset="-122"/>
+                </a:rPr>
+                <a:t>删除提案</a:t>
+              </a:r>
+              <a:endParaRPr lang="en-US" altLang="zh-CN" sz="1600" b="1">
+                <a:solidFill>
+                  <a:schemeClr val="tx1"/>
+                </a:solidFill>
+                <a:latin typeface="微软雅黑" panose="020B0503020204020204" pitchFamily="34" charset="-122"/>
+                <a:ea typeface="微软雅黑" panose="020B0503020204020204" pitchFamily="34" charset="-122"/>
+              </a:endParaRPr>
+            </a:p>
+            <a:p>
+              <a:pPr algn="ctr"/>
+              <a:r>
+                <a:rPr lang="en-US" altLang="zh-CN" sz="1600" b="1">
+                  <a:solidFill>
+                    <a:schemeClr val="tx1"/>
+                  </a:solidFill>
+                  <a:latin typeface="微软雅黑" panose="020B0503020204020204" pitchFamily="34" charset="-122"/>
+                  <a:ea typeface="微软雅黑" panose="020B0503020204020204" pitchFamily="34" charset="-122"/>
+                </a:rPr>
+                <a:t>delete_proposal</a:t>
+              </a:r>
+              <a:endParaRPr lang="zh-CN" altLang="en-US" sz="1600" b="1">
+                <a:solidFill>
+                  <a:schemeClr val="tx1"/>
+                </a:solidFill>
+                <a:latin typeface="微软雅黑" panose="020B0503020204020204" pitchFamily="34" charset="-122"/>
+                <a:ea typeface="微软雅黑" panose="020B0503020204020204" pitchFamily="34" charset="-122"/>
+              </a:endParaRPr>
+            </a:p>
+          </p:txBody>
+        </p:sp>
+        <p:sp>
+          <p:nvSpPr>
+            <p:cNvPr id="42" name="矩形: 圆角 41">
+              <a:extLst>
+                <a:ext uri="{FF2B5EF4-FFF2-40B4-BE49-F238E27FC236}">
+                  <a16:creationId xmlns:a16="http://schemas.microsoft.com/office/drawing/2014/main" id="{3A88AE6B-3F68-4838-8216-F8C8720C667F}"/>
+                </a:ext>
+              </a:extLst>
+            </p:cNvPr>
+            <p:cNvSpPr/>
+            <p:nvPr/>
+          </p:nvSpPr>
+          <p:spPr>
+            <a:xfrm>
+              <a:off x="535152" y="5842531"/>
+              <a:ext cx="1908000" cy="648000"/>
+            </a:xfrm>
+            <a:prstGeom prst="roundRect">
+              <a:avLst/>
+            </a:prstGeom>
+            <a:solidFill>
+              <a:srgbClr val="00B050"/>
+            </a:solidFill>
+            <a:ln>
+              <a:solidFill>
+                <a:schemeClr val="tx1"/>
+              </a:solidFill>
+            </a:ln>
+          </p:spPr>
+          <p:style>
+            <a:lnRef idx="2">
+              <a:schemeClr val="accent1">
+                <a:shade val="50000"/>
+              </a:schemeClr>
+            </a:lnRef>
+            <a:fillRef idx="1">
+              <a:schemeClr val="accent1"/>
+            </a:fillRef>
+            <a:effectRef idx="0">
+              <a:schemeClr val="accent1"/>
+            </a:effectRef>
+            <a:fontRef idx="minor">
+              <a:schemeClr val="lt1"/>
+            </a:fontRef>
+          </p:style>
+          <p:txBody>
+            <a:bodyPr wrap="none" lIns="36000" tIns="36000" rIns="36000" bIns="36000" rtlCol="0" anchor="ctr" anchorCtr="0"/>
+            <a:lstStyle/>
+            <a:p>
+              <a:pPr algn="ctr"/>
+              <a:r>
+                <a:rPr lang="zh-CN" altLang="en-US" sz="1600" b="1">
+                  <a:solidFill>
+                    <a:schemeClr val="tx1"/>
+                  </a:solidFill>
+                  <a:latin typeface="微软雅黑" panose="020B0503020204020204" pitchFamily="34" charset="-122"/>
+                  <a:ea typeface="微软雅黑" panose="020B0503020204020204" pitchFamily="34" charset="-122"/>
+                </a:rPr>
+                <a:t>修改提案</a:t>
+              </a:r>
+              <a:endParaRPr lang="en-US" altLang="zh-CN" sz="1600" b="1">
+                <a:solidFill>
+                  <a:schemeClr val="tx1"/>
+                </a:solidFill>
+                <a:latin typeface="微软雅黑" panose="020B0503020204020204" pitchFamily="34" charset="-122"/>
+                <a:ea typeface="微软雅黑" panose="020B0503020204020204" pitchFamily="34" charset="-122"/>
+              </a:endParaRPr>
+            </a:p>
+            <a:p>
+              <a:pPr algn="ctr"/>
+              <a:r>
+                <a:rPr lang="en-US" altLang="zh-CN" sz="1600" b="1">
+                  <a:solidFill>
+                    <a:schemeClr val="tx1"/>
+                  </a:solidFill>
+                  <a:latin typeface="微软雅黑" panose="020B0503020204020204" pitchFamily="34" charset="-122"/>
+                  <a:ea typeface="微软雅黑" panose="020B0503020204020204" pitchFamily="34" charset="-122"/>
+                </a:rPr>
+                <a:t>update_proposal</a:t>
+              </a:r>
+              <a:endParaRPr lang="zh-CN" altLang="en-US" sz="1600" b="1">
+                <a:solidFill>
+                  <a:schemeClr val="tx1"/>
+                </a:solidFill>
+                <a:latin typeface="微软雅黑" panose="020B0503020204020204" pitchFamily="34" charset="-122"/>
+                <a:ea typeface="微软雅黑" panose="020B0503020204020204" pitchFamily="34" charset="-122"/>
+              </a:endParaRPr>
+            </a:p>
+          </p:txBody>
+        </p:sp>
+      </p:grpSp>
+      <p:grpSp>
+        <p:nvGrpSpPr>
+          <p:cNvPr id="3" name="组合 2">
+            <a:extLst>
+              <a:ext uri="{FF2B5EF4-FFF2-40B4-BE49-F238E27FC236}">
+                <a16:creationId xmlns:a16="http://schemas.microsoft.com/office/drawing/2014/main" id="{69C494F5-7720-451C-A32C-FC0E2002A4FE}"/>
+              </a:ext>
+            </a:extLst>
+          </p:cNvPr>
+          <p:cNvGrpSpPr/>
+          <p:nvPr/>
+        </p:nvGrpSpPr>
+        <p:grpSpPr>
+          <a:xfrm>
+            <a:off x="3406733" y="4218451"/>
+            <a:ext cx="2376000" cy="1620000"/>
+            <a:chOff x="3816613" y="4117888"/>
+            <a:chExt cx="2376000" cy="1620000"/>
+          </a:xfrm>
+        </p:grpSpPr>
+        <p:sp>
+          <p:nvSpPr>
+            <p:cNvPr id="45" name="矩形: 圆角 44">
+              <a:extLst>
+                <a:ext uri="{FF2B5EF4-FFF2-40B4-BE49-F238E27FC236}">
+                  <a16:creationId xmlns:a16="http://schemas.microsoft.com/office/drawing/2014/main" id="{ADDC3BF2-9F03-41E4-BE23-7825E18E2F41}"/>
+                </a:ext>
+              </a:extLst>
+            </p:cNvPr>
+            <p:cNvSpPr/>
+            <p:nvPr/>
+          </p:nvSpPr>
+          <p:spPr>
+            <a:xfrm>
+              <a:off x="3816613" y="4117888"/>
+              <a:ext cx="2376000" cy="1620000"/>
+            </a:xfrm>
+            <a:prstGeom prst="roundRect">
+              <a:avLst>
+                <a:gd name="adj" fmla="val 5494"/>
+              </a:avLst>
+            </a:prstGeom>
+            <a:noFill/>
+            <a:ln>
+              <a:solidFill>
+                <a:schemeClr val="tx2"/>
+              </a:solidFill>
+              <a:prstDash val="dash"/>
+            </a:ln>
+          </p:spPr>
+          <p:style>
+            <a:lnRef idx="2">
+              <a:schemeClr val="accent1">
+                <a:shade val="50000"/>
+              </a:schemeClr>
+            </a:lnRef>
+            <a:fillRef idx="1">
+              <a:schemeClr val="accent1"/>
+            </a:fillRef>
+            <a:effectRef idx="0">
+              <a:schemeClr val="accent1"/>
+            </a:effectRef>
+            <a:fontRef idx="minor">
+              <a:schemeClr val="lt1"/>
+            </a:fontRef>
+          </p:style>
+          <p:txBody>
+            <a:bodyPr rtlCol="0" anchor="ctr"/>
+            <a:lstStyle/>
+            <a:p>
+              <a:pPr algn="ctr"/>
+              <a:endParaRPr lang="zh-CN" altLang="en-US" sz="1600">
+                <a:latin typeface="微软雅黑" panose="020B0503020204020204" pitchFamily="34" charset="-122"/>
+                <a:ea typeface="微软雅黑" panose="020B0503020204020204" pitchFamily="34" charset="-122"/>
+              </a:endParaRPr>
+            </a:p>
+          </p:txBody>
+        </p:sp>
+        <p:sp>
+          <p:nvSpPr>
+            <p:cNvPr id="52" name="矩形: 圆角 51">
+              <a:extLst>
+                <a:ext uri="{FF2B5EF4-FFF2-40B4-BE49-F238E27FC236}">
+                  <a16:creationId xmlns:a16="http://schemas.microsoft.com/office/drawing/2014/main" id="{77496431-1849-45DA-803E-CA3F62FEE339}"/>
+                </a:ext>
+              </a:extLst>
+            </p:cNvPr>
+            <p:cNvSpPr/>
+            <p:nvPr/>
+          </p:nvSpPr>
+          <p:spPr>
+            <a:xfrm>
+              <a:off x="3924613" y="4267140"/>
+              <a:ext cx="2160000" cy="540000"/>
+            </a:xfrm>
+            <a:prstGeom prst="roundRect">
+              <a:avLst/>
+            </a:prstGeom>
+            <a:solidFill>
+              <a:srgbClr val="00B0F0"/>
+            </a:solidFill>
+            <a:ln>
+              <a:solidFill>
+                <a:schemeClr val="tx1"/>
+              </a:solidFill>
+            </a:ln>
+          </p:spPr>
+          <p:style>
+            <a:lnRef idx="2">
+              <a:schemeClr val="accent1">
+                <a:shade val="50000"/>
+              </a:schemeClr>
+            </a:lnRef>
+            <a:fillRef idx="1">
+              <a:schemeClr val="accent1"/>
+            </a:fillRef>
+            <a:effectRef idx="0">
+              <a:schemeClr val="accent1"/>
+            </a:effectRef>
+            <a:fontRef idx="minor">
+              <a:schemeClr val="lt1"/>
+            </a:fontRef>
+          </p:style>
+          <p:txBody>
+            <a:bodyPr wrap="none" lIns="36000" tIns="36000" rIns="36000" bIns="36000" rtlCol="0" anchor="ctr" anchorCtr="0"/>
+            <a:lstStyle/>
+            <a:p>
+              <a:pPr algn="ctr"/>
+              <a:r>
+                <a:rPr lang="zh-CN" altLang="en-US" sz="1600" b="1">
+                  <a:solidFill>
+                    <a:schemeClr val="tx1"/>
+                  </a:solidFill>
+                  <a:latin typeface="微软雅黑" panose="020B0503020204020204" pitchFamily="34" charset="-122"/>
+                  <a:ea typeface="微软雅黑" panose="020B0503020204020204" pitchFamily="34" charset="-122"/>
+                </a:rPr>
+                <a:t>基金会成员</a:t>
+              </a:r>
+              <a:r>
+                <a:rPr lang="en-US" altLang="zh-CN" sz="1600" b="1">
+                  <a:solidFill>
+                    <a:schemeClr val="tx1"/>
+                  </a:solidFill>
+                  <a:latin typeface="微软雅黑" panose="020B0503020204020204" pitchFamily="34" charset="-122"/>
+                  <a:ea typeface="微软雅黑" panose="020B0503020204020204" pitchFamily="34" charset="-122"/>
+                </a:rPr>
+                <a:t>[</a:t>
+              </a:r>
+              <a:r>
+                <a:rPr lang="zh-CN" altLang="en-US" sz="1600" b="1">
+                  <a:solidFill>
+                    <a:srgbClr val="FF0000"/>
+                  </a:solidFill>
+                  <a:latin typeface="微软雅黑" panose="020B0503020204020204" pitchFamily="34" charset="-122"/>
+                  <a:ea typeface="微软雅黑" panose="020B0503020204020204" pitchFamily="34" charset="-122"/>
+                </a:rPr>
+                <a:t>其他所有</a:t>
+              </a:r>
+              <a:r>
+                <a:rPr lang="en-US" altLang="zh-CN" sz="1600" b="1">
+                  <a:solidFill>
+                    <a:schemeClr val="tx1"/>
+                  </a:solidFill>
+                  <a:latin typeface="微软雅黑" panose="020B0503020204020204" pitchFamily="34" charset="-122"/>
+                  <a:ea typeface="微软雅黑" panose="020B0503020204020204" pitchFamily="34" charset="-122"/>
+                </a:rPr>
+                <a:t>]</a:t>
+              </a:r>
+              <a:endParaRPr lang="zh-CN" altLang="en-US" sz="1600" b="1">
+                <a:solidFill>
+                  <a:schemeClr val="tx1"/>
+                </a:solidFill>
+                <a:latin typeface="微软雅黑" panose="020B0503020204020204" pitchFamily="34" charset="-122"/>
+                <a:ea typeface="微软雅黑" panose="020B0503020204020204" pitchFamily="34" charset="-122"/>
+              </a:endParaRPr>
+            </a:p>
+          </p:txBody>
+        </p:sp>
+        <p:sp>
+          <p:nvSpPr>
+            <p:cNvPr id="54" name="矩形: 圆角 53">
+              <a:extLst>
+                <a:ext uri="{FF2B5EF4-FFF2-40B4-BE49-F238E27FC236}">
+                  <a16:creationId xmlns:a16="http://schemas.microsoft.com/office/drawing/2014/main" id="{84726F73-6337-4AA0-A7E5-9560869F6AA8}"/>
+                </a:ext>
+              </a:extLst>
+            </p:cNvPr>
+            <p:cNvSpPr/>
+            <p:nvPr/>
+          </p:nvSpPr>
+          <p:spPr>
+            <a:xfrm>
+              <a:off x="3924613" y="4940636"/>
+              <a:ext cx="2160000" cy="648000"/>
+            </a:xfrm>
+            <a:prstGeom prst="roundRect">
+              <a:avLst/>
+            </a:prstGeom>
+            <a:solidFill>
+              <a:srgbClr val="00B050"/>
+            </a:solidFill>
+            <a:ln>
+              <a:solidFill>
+                <a:schemeClr val="tx1"/>
+              </a:solidFill>
+            </a:ln>
+          </p:spPr>
+          <p:style>
+            <a:lnRef idx="2">
+              <a:schemeClr val="accent1">
+                <a:shade val="50000"/>
+              </a:schemeClr>
+            </a:lnRef>
+            <a:fillRef idx="1">
+              <a:schemeClr val="accent1"/>
+            </a:fillRef>
+            <a:effectRef idx="0">
+              <a:schemeClr val="accent1"/>
+            </a:effectRef>
+            <a:fontRef idx="minor">
+              <a:schemeClr val="lt1"/>
+            </a:fontRef>
+          </p:style>
+          <p:txBody>
+            <a:bodyPr wrap="none" lIns="36000" tIns="36000" rIns="36000" bIns="36000" rtlCol="0" anchor="ctr" anchorCtr="0"/>
+            <a:lstStyle/>
+            <a:p>
+              <a:pPr algn="ctr"/>
+              <a:r>
+                <a:rPr lang="zh-CN" altLang="en-US" sz="1600" b="1">
+                  <a:solidFill>
+                    <a:schemeClr val="tx1"/>
+                  </a:solidFill>
+                  <a:latin typeface="微软雅黑" panose="020B0503020204020204" pitchFamily="34" charset="-122"/>
+                  <a:ea typeface="微软雅黑" panose="020B0503020204020204" pitchFamily="34" charset="-122"/>
+                </a:rPr>
+                <a:t>查找申请</a:t>
+              </a:r>
+              <a:endParaRPr lang="en-US" altLang="zh-CN" sz="1600" b="1">
+                <a:solidFill>
+                  <a:schemeClr val="tx1"/>
+                </a:solidFill>
+                <a:latin typeface="微软雅黑" panose="020B0503020204020204" pitchFamily="34" charset="-122"/>
+                <a:ea typeface="微软雅黑" panose="020B0503020204020204" pitchFamily="34" charset="-122"/>
+              </a:endParaRPr>
+            </a:p>
+            <a:p>
+              <a:pPr algn="ctr"/>
+              <a:r>
+                <a:rPr lang="en-US" altLang="zh-CN" sz="1600" b="1">
+                  <a:solidFill>
+                    <a:schemeClr val="tx1"/>
+                  </a:solidFill>
+                  <a:latin typeface="微软雅黑" panose="020B0503020204020204" pitchFamily="34" charset="-122"/>
+                  <a:ea typeface="微软雅黑" panose="020B0503020204020204" pitchFamily="34" charset="-122"/>
+                </a:rPr>
+                <a:t>list_proposal</a:t>
+              </a:r>
+              <a:endParaRPr lang="zh-CN" altLang="en-US" sz="1600" b="1">
+                <a:solidFill>
+                  <a:schemeClr val="tx1"/>
+                </a:solidFill>
+                <a:latin typeface="微软雅黑" panose="020B0503020204020204" pitchFamily="34" charset="-122"/>
+                <a:ea typeface="微软雅黑" panose="020B0503020204020204" pitchFamily="34" charset="-122"/>
+              </a:endParaRPr>
+            </a:p>
+          </p:txBody>
+        </p:sp>
+      </p:grpSp>
+      <p:cxnSp>
+        <p:nvCxnSpPr>
+          <p:cNvPr id="55" name="直接箭头连接符 54">
+            <a:extLst>
+              <a:ext uri="{FF2B5EF4-FFF2-40B4-BE49-F238E27FC236}">
+                <a16:creationId xmlns:a16="http://schemas.microsoft.com/office/drawing/2014/main" id="{5378F77E-92BF-4061-957A-B57AFCFE27A7}"/>
+              </a:ext>
+            </a:extLst>
+          </p:cNvPr>
+          <p:cNvCxnSpPr>
+            <a:cxnSpLocks/>
+            <a:stCxn id="37" idx="3"/>
+            <a:endCxn id="45" idx="1"/>
+          </p:cNvCxnSpPr>
+          <p:nvPr/>
+        </p:nvCxnSpPr>
+        <p:spPr>
+          <a:xfrm>
+            <a:off x="2598908" y="5028451"/>
+            <a:ext cx="807825" cy="0"/>
+          </a:xfrm>
+          <a:prstGeom prst="straightConnector1">
+            <a:avLst/>
+          </a:prstGeom>
+          <a:ln w="57150">
+            <a:solidFill>
+              <a:srgbClr val="FFC000"/>
+            </a:solidFill>
+            <a:tailEnd type="triangle"/>
+          </a:ln>
+        </p:spPr>
+        <p:style>
+          <a:lnRef idx="1">
+            <a:schemeClr val="accent1"/>
+          </a:lnRef>
+          <a:fillRef idx="0">
+            <a:schemeClr val="accent1"/>
+          </a:fillRef>
+          <a:effectRef idx="0">
+            <a:schemeClr val="accent1"/>
+          </a:effectRef>
+          <a:fontRef idx="minor">
+            <a:schemeClr val="tx1"/>
+          </a:fontRef>
+        </p:style>
+      </p:cxnSp>
+      <p:grpSp>
+        <p:nvGrpSpPr>
+          <p:cNvPr id="56" name="组合 55">
+            <a:extLst>
+              <a:ext uri="{FF2B5EF4-FFF2-40B4-BE49-F238E27FC236}">
+                <a16:creationId xmlns:a16="http://schemas.microsoft.com/office/drawing/2014/main" id="{4DC1E5D4-BA75-45B7-BE94-D869CE429B7C}"/>
+              </a:ext>
+            </a:extLst>
+          </p:cNvPr>
+          <p:cNvGrpSpPr/>
+          <p:nvPr/>
+        </p:nvGrpSpPr>
+        <p:grpSpPr>
+          <a:xfrm>
+            <a:off x="6590558" y="4218451"/>
+            <a:ext cx="2376000" cy="1620000"/>
+            <a:chOff x="3816613" y="4117888"/>
+            <a:chExt cx="2376000" cy="1620000"/>
+          </a:xfrm>
+        </p:grpSpPr>
+        <p:sp>
+          <p:nvSpPr>
+            <p:cNvPr id="57" name="矩形: 圆角 56">
+              <a:extLst>
+                <a:ext uri="{FF2B5EF4-FFF2-40B4-BE49-F238E27FC236}">
+                  <a16:creationId xmlns:a16="http://schemas.microsoft.com/office/drawing/2014/main" id="{A0B58596-BD6E-4939-BDB6-151A46565C2C}"/>
+                </a:ext>
+              </a:extLst>
+            </p:cNvPr>
+            <p:cNvSpPr/>
+            <p:nvPr/>
+          </p:nvSpPr>
+          <p:spPr>
+            <a:xfrm>
+              <a:off x="3816613" y="4117888"/>
+              <a:ext cx="2376000" cy="1620000"/>
+            </a:xfrm>
+            <a:prstGeom prst="roundRect">
+              <a:avLst>
+                <a:gd name="adj" fmla="val 5494"/>
+              </a:avLst>
+            </a:prstGeom>
+            <a:noFill/>
+            <a:ln>
+              <a:solidFill>
+                <a:schemeClr val="tx2"/>
+              </a:solidFill>
+              <a:prstDash val="dash"/>
+            </a:ln>
+          </p:spPr>
+          <p:style>
+            <a:lnRef idx="2">
+              <a:schemeClr val="accent1">
+                <a:shade val="50000"/>
+              </a:schemeClr>
+            </a:lnRef>
+            <a:fillRef idx="1">
+              <a:schemeClr val="accent1"/>
+            </a:fillRef>
+            <a:effectRef idx="0">
+              <a:schemeClr val="accent1"/>
+            </a:effectRef>
+            <a:fontRef idx="minor">
+              <a:schemeClr val="lt1"/>
+            </a:fontRef>
+          </p:style>
+          <p:txBody>
+            <a:bodyPr rtlCol="0" anchor="ctr"/>
+            <a:lstStyle/>
+            <a:p>
+              <a:pPr algn="ctr"/>
+              <a:endParaRPr lang="zh-CN" altLang="en-US" sz="1600">
+                <a:latin typeface="微软雅黑" panose="020B0503020204020204" pitchFamily="34" charset="-122"/>
+                <a:ea typeface="微软雅黑" panose="020B0503020204020204" pitchFamily="34" charset="-122"/>
+              </a:endParaRPr>
+            </a:p>
+          </p:txBody>
+        </p:sp>
+        <p:sp>
+          <p:nvSpPr>
+            <p:cNvPr id="58" name="矩形: 圆角 57">
+              <a:extLst>
+                <a:ext uri="{FF2B5EF4-FFF2-40B4-BE49-F238E27FC236}">
+                  <a16:creationId xmlns:a16="http://schemas.microsoft.com/office/drawing/2014/main" id="{04756745-4544-4997-A0B0-D16569925C0A}"/>
+                </a:ext>
+              </a:extLst>
+            </p:cNvPr>
+            <p:cNvSpPr/>
+            <p:nvPr/>
+          </p:nvSpPr>
+          <p:spPr>
+            <a:xfrm>
+              <a:off x="3924613" y="4267140"/>
+              <a:ext cx="2160000" cy="540000"/>
+            </a:xfrm>
+            <a:prstGeom prst="roundRect">
+              <a:avLst/>
+            </a:prstGeom>
+            <a:solidFill>
+              <a:srgbClr val="00B0F0"/>
+            </a:solidFill>
+            <a:ln>
+              <a:solidFill>
+                <a:schemeClr val="tx1"/>
+              </a:solidFill>
+            </a:ln>
+          </p:spPr>
+          <p:style>
+            <a:lnRef idx="2">
+              <a:schemeClr val="accent1">
+                <a:shade val="50000"/>
+              </a:schemeClr>
+            </a:lnRef>
+            <a:fillRef idx="1">
+              <a:schemeClr val="accent1"/>
+            </a:fillRef>
+            <a:effectRef idx="0">
+              <a:schemeClr val="accent1"/>
+            </a:effectRef>
+            <a:fontRef idx="minor">
+              <a:schemeClr val="lt1"/>
+            </a:fontRef>
+          </p:style>
+          <p:txBody>
+            <a:bodyPr wrap="none" lIns="36000" tIns="36000" rIns="36000" bIns="36000" rtlCol="0" anchor="ctr" anchorCtr="0"/>
+            <a:lstStyle/>
+            <a:p>
+              <a:pPr algn="ctr"/>
+              <a:r>
+                <a:rPr lang="zh-CN" altLang="en-US" sz="1600" b="1">
+                  <a:solidFill>
+                    <a:schemeClr val="tx1"/>
+                  </a:solidFill>
+                  <a:latin typeface="微软雅黑" panose="020B0503020204020204" pitchFamily="34" charset="-122"/>
+                  <a:ea typeface="微软雅黑" panose="020B0503020204020204" pitchFamily="34" charset="-122"/>
+                </a:rPr>
+                <a:t>基金会成员</a:t>
+              </a:r>
+              <a:r>
+                <a:rPr lang="en-US" altLang="zh-CN" sz="1600" b="1">
+                  <a:solidFill>
+                    <a:schemeClr val="tx1"/>
+                  </a:solidFill>
+                  <a:latin typeface="微软雅黑" panose="020B0503020204020204" pitchFamily="34" charset="-122"/>
+                  <a:ea typeface="微软雅黑" panose="020B0503020204020204" pitchFamily="34" charset="-122"/>
+                </a:rPr>
+                <a:t>[</a:t>
+              </a:r>
+              <a:r>
+                <a:rPr lang="zh-CN" altLang="en-US" sz="1600" b="1">
+                  <a:solidFill>
+                    <a:srgbClr val="FF0000"/>
+                  </a:solidFill>
+                  <a:latin typeface="微软雅黑" panose="020B0503020204020204" pitchFamily="34" charset="-122"/>
+                  <a:ea typeface="微软雅黑" panose="020B0503020204020204" pitchFamily="34" charset="-122"/>
+                </a:rPr>
+                <a:t>其他所有</a:t>
+              </a:r>
+              <a:r>
+                <a:rPr lang="en-US" altLang="zh-CN" sz="1600" b="1">
+                  <a:solidFill>
+                    <a:schemeClr val="tx1"/>
+                  </a:solidFill>
+                  <a:latin typeface="微软雅黑" panose="020B0503020204020204" pitchFamily="34" charset="-122"/>
+                  <a:ea typeface="微软雅黑" panose="020B0503020204020204" pitchFamily="34" charset="-122"/>
+                </a:rPr>
+                <a:t>]</a:t>
+              </a:r>
+              <a:endParaRPr lang="zh-CN" altLang="en-US" sz="1600" b="1">
+                <a:solidFill>
+                  <a:schemeClr val="tx1"/>
+                </a:solidFill>
+                <a:latin typeface="微软雅黑" panose="020B0503020204020204" pitchFamily="34" charset="-122"/>
+                <a:ea typeface="微软雅黑" panose="020B0503020204020204" pitchFamily="34" charset="-122"/>
+              </a:endParaRPr>
+            </a:p>
+          </p:txBody>
+        </p:sp>
+        <p:sp>
+          <p:nvSpPr>
+            <p:cNvPr id="59" name="矩形: 圆角 58">
+              <a:extLst>
+                <a:ext uri="{FF2B5EF4-FFF2-40B4-BE49-F238E27FC236}">
+                  <a16:creationId xmlns:a16="http://schemas.microsoft.com/office/drawing/2014/main" id="{E6874896-7C72-4058-8D3F-F4A803782D09}"/>
+                </a:ext>
+              </a:extLst>
+            </p:cNvPr>
+            <p:cNvSpPr/>
+            <p:nvPr/>
+          </p:nvSpPr>
+          <p:spPr>
+            <a:xfrm>
+              <a:off x="3924613" y="4940636"/>
+              <a:ext cx="2160000" cy="648000"/>
+            </a:xfrm>
+            <a:prstGeom prst="roundRect">
+              <a:avLst/>
+            </a:prstGeom>
+            <a:solidFill>
+              <a:srgbClr val="00B050"/>
+            </a:solidFill>
+            <a:ln>
+              <a:solidFill>
+                <a:schemeClr val="tx1"/>
+              </a:solidFill>
+            </a:ln>
+          </p:spPr>
+          <p:style>
+            <a:lnRef idx="2">
+              <a:schemeClr val="accent1">
+                <a:shade val="50000"/>
+              </a:schemeClr>
+            </a:lnRef>
+            <a:fillRef idx="1">
+              <a:schemeClr val="accent1"/>
+            </a:fillRef>
+            <a:effectRef idx="0">
+              <a:schemeClr val="accent1"/>
+            </a:effectRef>
+            <a:fontRef idx="minor">
+              <a:schemeClr val="lt1"/>
+            </a:fontRef>
+          </p:style>
+          <p:txBody>
+            <a:bodyPr wrap="none" lIns="36000" tIns="36000" rIns="36000" bIns="36000" rtlCol="0" anchor="ctr" anchorCtr="0"/>
+            <a:lstStyle/>
+            <a:p>
+              <a:pPr algn="ctr"/>
+              <a:r>
+                <a:rPr lang="zh-CN" altLang="en-US" sz="1600" b="1">
+                  <a:solidFill>
+                    <a:schemeClr val="tx1"/>
+                  </a:solidFill>
+                  <a:latin typeface="微软雅黑" panose="020B0503020204020204" pitchFamily="34" charset="-122"/>
+                  <a:ea typeface="微软雅黑" panose="020B0503020204020204" pitchFamily="34" charset="-122"/>
+                </a:rPr>
+                <a:t>批准</a:t>
+              </a:r>
+              <a:endParaRPr lang="en-US" altLang="zh-CN" sz="1600" b="1">
+                <a:solidFill>
+                  <a:schemeClr val="tx1"/>
+                </a:solidFill>
+                <a:latin typeface="微软雅黑" panose="020B0503020204020204" pitchFamily="34" charset="-122"/>
+                <a:ea typeface="微软雅黑" panose="020B0503020204020204" pitchFamily="34" charset="-122"/>
+              </a:endParaRPr>
+            </a:p>
+            <a:p>
+              <a:pPr algn="ctr"/>
+              <a:r>
+                <a:rPr lang="en-US" altLang="zh-CN" sz="1600" b="1">
+                  <a:solidFill>
+                    <a:schemeClr val="tx1"/>
+                  </a:solidFill>
+                  <a:latin typeface="微软雅黑" panose="020B0503020204020204" pitchFamily="34" charset="-122"/>
+                  <a:ea typeface="微软雅黑" panose="020B0503020204020204" pitchFamily="34" charset="-122"/>
+                </a:rPr>
+                <a:t>approve_proposal</a:t>
+              </a:r>
+              <a:endParaRPr lang="zh-CN" altLang="en-US" sz="1600" b="1">
+                <a:solidFill>
+                  <a:schemeClr val="tx1"/>
+                </a:solidFill>
+                <a:latin typeface="微软雅黑" panose="020B0503020204020204" pitchFamily="34" charset="-122"/>
+                <a:ea typeface="微软雅黑" panose="020B0503020204020204" pitchFamily="34" charset="-122"/>
+              </a:endParaRPr>
+            </a:p>
+          </p:txBody>
+        </p:sp>
+      </p:grpSp>
+      <p:cxnSp>
+        <p:nvCxnSpPr>
+          <p:cNvPr id="60" name="直接箭头连接符 59">
+            <a:extLst>
+              <a:ext uri="{FF2B5EF4-FFF2-40B4-BE49-F238E27FC236}">
+                <a16:creationId xmlns:a16="http://schemas.microsoft.com/office/drawing/2014/main" id="{9516F886-9F2E-46E7-A4E1-32F7643623B3}"/>
+              </a:ext>
+            </a:extLst>
+          </p:cNvPr>
+          <p:cNvCxnSpPr>
+            <a:cxnSpLocks/>
+            <a:stCxn id="45" idx="3"/>
+            <a:endCxn id="57" idx="1"/>
+          </p:cNvCxnSpPr>
+          <p:nvPr/>
+        </p:nvCxnSpPr>
+        <p:spPr>
+          <a:xfrm>
+            <a:off x="5782733" y="5028451"/>
+            <a:ext cx="807825" cy="0"/>
+          </a:xfrm>
+          <a:prstGeom prst="straightConnector1">
+            <a:avLst/>
+          </a:prstGeom>
+          <a:ln w="57150">
+            <a:solidFill>
+              <a:srgbClr val="FFC000"/>
+            </a:solidFill>
+            <a:tailEnd type="triangle"/>
+          </a:ln>
+        </p:spPr>
+        <p:style>
+          <a:lnRef idx="1">
+            <a:schemeClr val="accent1"/>
+          </a:lnRef>
+          <a:fillRef idx="0">
+            <a:schemeClr val="accent1"/>
+          </a:fillRef>
+          <a:effectRef idx="0">
+            <a:schemeClr val="accent1"/>
+          </a:effectRef>
+          <a:fontRef idx="minor">
+            <a:schemeClr val="tx1"/>
+          </a:fontRef>
+        </p:style>
+      </p:cxnSp>
+      <p:sp>
+        <p:nvSpPr>
+          <p:cNvPr id="16" name="矩形: 圆角 15">
+            <a:extLst>
+              <a:ext uri="{FF2B5EF4-FFF2-40B4-BE49-F238E27FC236}">
+                <a16:creationId xmlns:a16="http://schemas.microsoft.com/office/drawing/2014/main" id="{7F78C5CA-BF15-4AB7-B156-0653803CC40F}"/>
+              </a:ext>
+            </a:extLst>
+          </p:cNvPr>
+          <p:cNvSpPr/>
+          <p:nvPr/>
+        </p:nvSpPr>
+        <p:spPr>
+          <a:xfrm>
+            <a:off x="9774384" y="4703139"/>
+            <a:ext cx="1197000" cy="650623"/>
+          </a:xfrm>
+          <a:prstGeom prst="roundRect">
+            <a:avLst/>
+          </a:prstGeom>
+        </p:spPr>
+        <p:style>
+          <a:lnRef idx="1">
+            <a:schemeClr val="accent2"/>
+          </a:lnRef>
+          <a:fillRef idx="2">
+            <a:schemeClr val="accent2"/>
+          </a:fillRef>
+          <a:effectRef idx="1">
+            <a:schemeClr val="accent2"/>
+          </a:effectRef>
+          <a:fontRef idx="minor">
+            <a:schemeClr val="dk1"/>
+          </a:fontRef>
+        </p:style>
+        <p:txBody>
+          <a:bodyPr rtlCol="0" anchor="ctr"/>
+          <a:lstStyle/>
+          <a:p>
+            <a:pPr algn="ctr"/>
+            <a:r>
+              <a:rPr lang="zh-CN" altLang="en-US" sz="1600" b="1">
+                <a:latin typeface="微软雅黑" panose="020B0503020204020204" pitchFamily="34" charset="-122"/>
+                <a:ea typeface="微软雅黑" panose="020B0503020204020204" pitchFamily="34" charset="-122"/>
+              </a:rPr>
+              <a:t>生效</a:t>
+            </a:r>
+          </a:p>
+        </p:txBody>
+      </p:sp>
+      <p:cxnSp>
+        <p:nvCxnSpPr>
+          <p:cNvPr id="62" name="直接箭头连接符 61">
+            <a:extLst>
+              <a:ext uri="{FF2B5EF4-FFF2-40B4-BE49-F238E27FC236}">
+                <a16:creationId xmlns:a16="http://schemas.microsoft.com/office/drawing/2014/main" id="{2AA0D7C6-6A91-4C91-B354-E12A2D26F6B9}"/>
+              </a:ext>
+            </a:extLst>
+          </p:cNvPr>
+          <p:cNvCxnSpPr>
+            <a:cxnSpLocks/>
+            <a:stCxn id="57" idx="3"/>
+            <a:endCxn id="16" idx="1"/>
+          </p:cNvCxnSpPr>
+          <p:nvPr/>
+        </p:nvCxnSpPr>
+        <p:spPr>
+          <a:xfrm>
+            <a:off x="8966558" y="5028451"/>
+            <a:ext cx="807826" cy="0"/>
+          </a:xfrm>
+          <a:prstGeom prst="straightConnector1">
+            <a:avLst/>
+          </a:prstGeom>
+          <a:ln w="57150">
+            <a:solidFill>
+              <a:srgbClr val="FFC000"/>
+            </a:solidFill>
+            <a:tailEnd type="triangle"/>
+          </a:ln>
+        </p:spPr>
+        <p:style>
+          <a:lnRef idx="1">
+            <a:schemeClr val="accent1"/>
+          </a:lnRef>
+          <a:fillRef idx="0">
+            <a:schemeClr val="accent1"/>
+          </a:fillRef>
+          <a:effectRef idx="0">
+            <a:schemeClr val="accent1"/>
+          </a:effectRef>
+          <a:fontRef idx="minor">
+            <a:schemeClr val="tx1"/>
+          </a:fontRef>
+        </p:style>
+      </p:cxnSp>
     </p:spTree>
     <p:extLst>
       <p:ext uri="{BB962C8B-B14F-4D97-AF65-F5344CB8AC3E}">
@@ -15660,9 +16798,9 @@
           <p:nvPr/>
         </p:nvCxnSpPr>
         <p:spPr>
-          <a:xfrm>
-            <a:off x="2964413" y="3060000"/>
-            <a:ext cx="1116403" cy="19360"/>
+          <a:xfrm flipV="1">
+            <a:off x="2964413" y="3053928"/>
+            <a:ext cx="1151572" cy="6072"/>
           </a:xfrm>
           <a:prstGeom prst="straightConnector1">
             <a:avLst/>
@@ -15842,7 +16980,7 @@
         </p:nvGrpSpPr>
         <p:grpSpPr>
           <a:xfrm>
-            <a:off x="4080816" y="2269360"/>
+            <a:off x="4115985" y="2243928"/>
             <a:ext cx="2543077" cy="1620000"/>
             <a:chOff x="4034163" y="2500650"/>
             <a:chExt cx="2543077" cy="1620000"/>
